--- a/Игра_проект.pptx
+++ b/Игра_проект.pptx
@@ -9,6 +9,7 @@
     <p:sldId id="257" r:id="rId3"/>
     <p:sldId id="258" r:id="rId4"/>
     <p:sldId id="259" r:id="rId5"/>
+    <p:sldId id="260" r:id="rId6"/>
   </p:sldIdLst>
   <p:sldSz cx="12192000" cy="6858000"/>
   <p:notesSz cx="6858000" cy="9144000"/>
@@ -3529,7 +3530,11 @@
           <a:p>
             <a:r>
               <a:rPr lang="ru-RU" dirty="0" smtClean="0"/>
-              <a:t>Как появилась идея и цель</a:t>
+              <a:t>Как появилась идея и </a:t>
+            </a:r>
+            <a:r>
+              <a:rPr lang="ru-RU" dirty="0" smtClean="0"/>
+              <a:t>цель</a:t>
             </a:r>
             <a:endParaRPr lang="ru-RU" dirty="0"/>
           </a:p>
@@ -3910,14 +3915,10 @@
             </a:r>
             <a:r>
               <a:rPr lang="ru-RU" dirty="0"/>
-              <a:t>– модуль, используемый </a:t>
-            </a:r>
-            <a:r>
-              <a:rPr lang="ru-RU"/>
-              <a:t>для </a:t>
-            </a:r>
-            <a:r>
-              <a:rPr lang="ru-RU" smtClean="0"/>
+              <a:t>– модуль, используемый для </a:t>
+            </a:r>
+            <a:r>
+              <a:rPr lang="ru-RU" dirty="0" smtClean="0"/>
               <a:t>асинхронной </a:t>
             </a:r>
             <a:r>
@@ -3976,7 +3977,6 @@
               <a:rPr lang="ru-RU" dirty="0"/>
               <a:t>для рисовки спрайтов</a:t>
             </a:r>
-            <a:endParaRPr lang="ru-RU" dirty="0"/>
           </a:p>
         </p:txBody>
       </p:sp>
@@ -4012,6 +4012,94 @@
     <p:extLst>
       <p:ext uri="{BB962C8B-B14F-4D97-AF65-F5344CB8AC3E}">
         <p14:creationId xmlns:p14="http://schemas.microsoft.com/office/powerpoint/2010/main" val="3387737718"/>
+      </p:ext>
+    </p:extLst>
+  </p:cSld>
+  <p:clrMapOvr>
+    <a:masterClrMapping/>
+  </p:clrMapOvr>
+</p:sld>
+</file>
+
+<file path=ppt/slides/slide5.xml><?xml version="1.0" encoding="utf-8"?>
+<p:sld xmlns:a="http://schemas.openxmlformats.org/drawingml/2006/main" xmlns:r="http://schemas.openxmlformats.org/officeDocument/2006/relationships" xmlns:p="http://schemas.openxmlformats.org/presentationml/2006/main">
+  <p:cSld>
+    <p:spTree>
+      <p:nvGrpSpPr>
+        <p:cNvPr id="1" name=""/>
+        <p:cNvGrpSpPr/>
+        <p:nvPr/>
+      </p:nvGrpSpPr>
+      <p:grpSpPr>
+        <a:xfrm>
+          <a:off x="0" y="0"/>
+          <a:ext cx="0" cy="0"/>
+          <a:chOff x="0" y="0"/>
+          <a:chExt cx="0" cy="0"/>
+        </a:xfrm>
+      </p:grpSpPr>
+      <p:sp>
+        <p:nvSpPr>
+          <p:cNvPr id="2" name="Заголовок 1"/>
+          <p:cNvSpPr>
+            <a:spLocks noGrp="1"/>
+          </p:cNvSpPr>
+          <p:nvPr>
+            <p:ph type="title"/>
+          </p:nvPr>
+        </p:nvSpPr>
+        <p:spPr>
+          <a:xfrm>
+            <a:off x="2081266" y="635480"/>
+            <a:ext cx="6967843" cy="1356360"/>
+          </a:xfrm>
+        </p:spPr>
+        <p:txBody>
+          <a:bodyPr/>
+          <a:lstStyle/>
+          <a:p>
+            <a:pPr algn="ctr"/>
+            <a:r>
+              <a:rPr lang="ru-RU" dirty="0" smtClean="0"/>
+              <a:t>Что мы планируем сделать?</a:t>
+            </a:r>
+            <a:endParaRPr lang="ru-RU" dirty="0"/>
+          </a:p>
+        </p:txBody>
+      </p:sp>
+      <p:pic>
+        <p:nvPicPr>
+          <p:cNvPr id="10" name="Объект 9"/>
+          <p:cNvPicPr>
+            <a:picLocks noGrp="1" noChangeAspect="1"/>
+          </p:cNvPicPr>
+          <p:nvPr>
+            <p:ph idx="1"/>
+          </p:nvPr>
+        </p:nvPicPr>
+        <p:blipFill>
+          <a:blip r:embed="rId2" cstate="print">
+            <a:extLst>
+              <a:ext uri="{28A0092B-C50C-407E-A947-70E740481C1C}">
+                <a14:useLocalDpi xmlns:a14="http://schemas.microsoft.com/office/drawing/2010/main" val="0"/>
+              </a:ext>
+            </a:extLst>
+          </a:blip>
+          <a:stretch>
+            <a:fillRect/>
+          </a:stretch>
+        </p:blipFill>
+        <p:spPr>
+          <a:xfrm>
+            <a:off x="2081266" y="2078104"/>
+            <a:ext cx="6967843" cy="3876655"/>
+          </a:xfrm>
+        </p:spPr>
+      </p:pic>
+    </p:spTree>
+    <p:extLst>
+      <p:ext uri="{BB962C8B-B14F-4D97-AF65-F5344CB8AC3E}">
+        <p14:creationId xmlns:p14="http://schemas.microsoft.com/office/powerpoint/2010/main" val="4025183194"/>
       </p:ext>
     </p:extLst>
   </p:cSld>

--- a/Игра_проект.pptx
+++ b/Игра_проект.pptx
@@ -220,7 +220,7 @@
           </a:lstStyle>
           <a:p>
             <a:r>
-              <a:rPr lang="ru-RU" smtClean="0"/>
+              <a:rPr lang="ru-RU"/>
               <a:t>Образец заголовка</a:t>
             </a:r>
             <a:endParaRPr lang="en-US" dirty="0"/>
@@ -291,7 +291,7 @@
           </a:lstStyle>
           <a:p>
             <a:r>
-              <a:rPr lang="ru-RU" smtClean="0"/>
+              <a:rPr lang="ru-RU"/>
               <a:t>Образец подзаголовка</a:t>
             </a:r>
             <a:endParaRPr lang="en-US" dirty="0"/>
@@ -468,7 +468,7 @@
           <a:lstStyle/>
           <a:p>
             <a:r>
-              <a:rPr lang="ru-RU" smtClean="0"/>
+              <a:rPr lang="ru-RU"/>
               <a:t>Образец заголовка</a:t>
             </a:r>
             <a:endParaRPr lang="en-US" dirty="0"/>
@@ -492,35 +492,35 @@
           <a:p>
             <a:pPr lvl="0"/>
             <a:r>
-              <a:rPr lang="ru-RU" smtClean="0"/>
+              <a:rPr lang="ru-RU"/>
               <a:t>Образец текста</a:t>
             </a:r>
           </a:p>
           <a:p>
             <a:pPr lvl="1"/>
             <a:r>
-              <a:rPr lang="ru-RU" smtClean="0"/>
+              <a:rPr lang="ru-RU"/>
               <a:t>Второй уровень</a:t>
             </a:r>
           </a:p>
           <a:p>
             <a:pPr lvl="2"/>
             <a:r>
-              <a:rPr lang="ru-RU" smtClean="0"/>
+              <a:rPr lang="ru-RU"/>
               <a:t>Третий уровень</a:t>
             </a:r>
           </a:p>
           <a:p>
             <a:pPr lvl="3"/>
             <a:r>
-              <a:rPr lang="ru-RU" smtClean="0"/>
+              <a:rPr lang="ru-RU"/>
               <a:t>Четвертый уровень</a:t>
             </a:r>
           </a:p>
           <a:p>
             <a:pPr lvl="4"/>
             <a:r>
-              <a:rPr lang="ru-RU" smtClean="0"/>
+              <a:rPr lang="ru-RU"/>
               <a:t>Пятый уровень</a:t>
             </a:r>
             <a:endParaRPr lang="en-US" dirty="0"/>
@@ -643,7 +643,7 @@
           <a:lstStyle/>
           <a:p>
             <a:r>
-              <a:rPr lang="ru-RU" smtClean="0"/>
+              <a:rPr lang="ru-RU"/>
               <a:t>Образец заголовка</a:t>
             </a:r>
             <a:endParaRPr lang="en-US" dirty="0"/>
@@ -672,35 +672,35 @@
           <a:p>
             <a:pPr lvl="0"/>
             <a:r>
-              <a:rPr lang="ru-RU" smtClean="0"/>
+              <a:rPr lang="ru-RU"/>
               <a:t>Образец текста</a:t>
             </a:r>
           </a:p>
           <a:p>
             <a:pPr lvl="1"/>
             <a:r>
-              <a:rPr lang="ru-RU" smtClean="0"/>
+              <a:rPr lang="ru-RU"/>
               <a:t>Второй уровень</a:t>
             </a:r>
           </a:p>
           <a:p>
             <a:pPr lvl="2"/>
             <a:r>
-              <a:rPr lang="ru-RU" smtClean="0"/>
+              <a:rPr lang="ru-RU"/>
               <a:t>Третий уровень</a:t>
             </a:r>
           </a:p>
           <a:p>
             <a:pPr lvl="3"/>
             <a:r>
-              <a:rPr lang="ru-RU" smtClean="0"/>
+              <a:rPr lang="ru-RU"/>
               <a:t>Четвертый уровень</a:t>
             </a:r>
           </a:p>
           <a:p>
             <a:pPr lvl="4"/>
             <a:r>
-              <a:rPr lang="ru-RU" smtClean="0"/>
+              <a:rPr lang="ru-RU"/>
               <a:t>Пятый уровень</a:t>
             </a:r>
             <a:endParaRPr lang="en-US" dirty="0"/>
@@ -818,7 +818,7 @@
           <a:lstStyle/>
           <a:p>
             <a:r>
-              <a:rPr lang="ru-RU" smtClean="0"/>
+              <a:rPr lang="ru-RU"/>
               <a:t>Образец заголовка</a:t>
             </a:r>
             <a:endParaRPr lang="en-US" dirty="0"/>
@@ -842,35 +842,35 @@
           <a:p>
             <a:pPr lvl="0"/>
             <a:r>
-              <a:rPr lang="ru-RU" smtClean="0"/>
+              <a:rPr lang="ru-RU"/>
               <a:t>Образец текста</a:t>
             </a:r>
           </a:p>
           <a:p>
             <a:pPr lvl="1"/>
             <a:r>
-              <a:rPr lang="ru-RU" smtClean="0"/>
+              <a:rPr lang="ru-RU"/>
               <a:t>Второй уровень</a:t>
             </a:r>
           </a:p>
           <a:p>
             <a:pPr lvl="2"/>
             <a:r>
-              <a:rPr lang="ru-RU" smtClean="0"/>
+              <a:rPr lang="ru-RU"/>
               <a:t>Третий уровень</a:t>
             </a:r>
           </a:p>
           <a:p>
             <a:pPr lvl="3"/>
             <a:r>
-              <a:rPr lang="ru-RU" smtClean="0"/>
+              <a:rPr lang="ru-RU"/>
               <a:t>Четвертый уровень</a:t>
             </a:r>
           </a:p>
           <a:p>
             <a:pPr lvl="4"/>
             <a:r>
-              <a:rPr lang="ru-RU" smtClean="0"/>
+              <a:rPr lang="ru-RU"/>
               <a:t>Пятый уровень</a:t>
             </a:r>
             <a:endParaRPr lang="en-US" dirty="0"/>
@@ -1002,7 +1002,7 @@
           </a:lstStyle>
           <a:p>
             <a:r>
-              <a:rPr lang="ru-RU" smtClean="0"/>
+              <a:rPr lang="ru-RU"/>
               <a:t>Образец заголовка</a:t>
             </a:r>
             <a:endParaRPr lang="en-US" dirty="0"/>
@@ -1122,7 +1122,7 @@
           <a:p>
             <a:pPr lvl="0"/>
             <a:r>
-              <a:rPr lang="ru-RU" smtClean="0"/>
+              <a:rPr lang="ru-RU"/>
               <a:t>Образец текста</a:t>
             </a:r>
           </a:p>
@@ -1274,7 +1274,7 @@
           <a:lstStyle/>
           <a:p>
             <a:r>
-              <a:rPr lang="ru-RU" smtClean="0"/>
+              <a:rPr lang="ru-RU"/>
               <a:t>Образец заголовка</a:t>
             </a:r>
             <a:endParaRPr lang="en-US" dirty="0"/>
@@ -1331,35 +1331,35 @@
           <a:p>
             <a:pPr lvl="0"/>
             <a:r>
-              <a:rPr lang="ru-RU" smtClean="0"/>
+              <a:rPr lang="ru-RU"/>
               <a:t>Образец текста</a:t>
             </a:r>
           </a:p>
           <a:p>
             <a:pPr lvl="1"/>
             <a:r>
-              <a:rPr lang="ru-RU" smtClean="0"/>
+              <a:rPr lang="ru-RU"/>
               <a:t>Второй уровень</a:t>
             </a:r>
           </a:p>
           <a:p>
             <a:pPr lvl="2"/>
             <a:r>
-              <a:rPr lang="ru-RU" smtClean="0"/>
+              <a:rPr lang="ru-RU"/>
               <a:t>Третий уровень</a:t>
             </a:r>
           </a:p>
           <a:p>
             <a:pPr lvl="3"/>
             <a:r>
-              <a:rPr lang="ru-RU" smtClean="0"/>
+              <a:rPr lang="ru-RU"/>
               <a:t>Четвертый уровень</a:t>
             </a:r>
           </a:p>
           <a:p>
             <a:pPr lvl="4"/>
             <a:r>
-              <a:rPr lang="ru-RU" smtClean="0"/>
+              <a:rPr lang="ru-RU"/>
               <a:t>Пятый уровень</a:t>
             </a:r>
             <a:endParaRPr lang="en-US" dirty="0"/>
@@ -1416,35 +1416,35 @@
           <a:p>
             <a:pPr lvl="0"/>
             <a:r>
-              <a:rPr lang="ru-RU" smtClean="0"/>
+              <a:rPr lang="ru-RU"/>
               <a:t>Образец текста</a:t>
             </a:r>
           </a:p>
           <a:p>
             <a:pPr lvl="1"/>
             <a:r>
-              <a:rPr lang="ru-RU" smtClean="0"/>
+              <a:rPr lang="ru-RU"/>
               <a:t>Второй уровень</a:t>
             </a:r>
           </a:p>
           <a:p>
             <a:pPr lvl="2"/>
             <a:r>
-              <a:rPr lang="ru-RU" smtClean="0"/>
+              <a:rPr lang="ru-RU"/>
               <a:t>Третий уровень</a:t>
             </a:r>
           </a:p>
           <a:p>
             <a:pPr lvl="3"/>
             <a:r>
-              <a:rPr lang="ru-RU" smtClean="0"/>
+              <a:rPr lang="ru-RU"/>
               <a:t>Четвертый уровень</a:t>
             </a:r>
           </a:p>
           <a:p>
             <a:pPr lvl="4"/>
             <a:r>
-              <a:rPr lang="ru-RU" smtClean="0"/>
+              <a:rPr lang="ru-RU"/>
               <a:t>Пятый уровень</a:t>
             </a:r>
             <a:endParaRPr lang="en-US" dirty="0"/>
@@ -1562,7 +1562,7 @@
           <a:lstStyle/>
           <a:p>
             <a:r>
-              <a:rPr lang="ru-RU" smtClean="0"/>
+              <a:rPr lang="ru-RU"/>
               <a:t>Образец заголовка</a:t>
             </a:r>
             <a:endParaRPr lang="en-US" dirty="0"/>
@@ -1631,7 +1631,7 @@
           <a:p>
             <a:pPr lvl="0"/>
             <a:r>
-              <a:rPr lang="ru-RU" smtClean="0"/>
+              <a:rPr lang="ru-RU"/>
               <a:t>Образец текста</a:t>
             </a:r>
           </a:p>
@@ -1687,35 +1687,35 @@
           <a:p>
             <a:pPr lvl="0"/>
             <a:r>
-              <a:rPr lang="ru-RU" smtClean="0"/>
+              <a:rPr lang="ru-RU"/>
               <a:t>Образец текста</a:t>
             </a:r>
           </a:p>
           <a:p>
             <a:pPr lvl="1"/>
             <a:r>
-              <a:rPr lang="ru-RU" smtClean="0"/>
+              <a:rPr lang="ru-RU"/>
               <a:t>Второй уровень</a:t>
             </a:r>
           </a:p>
           <a:p>
             <a:pPr lvl="2"/>
             <a:r>
-              <a:rPr lang="ru-RU" smtClean="0"/>
+              <a:rPr lang="ru-RU"/>
               <a:t>Третий уровень</a:t>
             </a:r>
           </a:p>
           <a:p>
             <a:pPr lvl="3"/>
             <a:r>
-              <a:rPr lang="ru-RU" smtClean="0"/>
+              <a:rPr lang="ru-RU"/>
               <a:t>Четвертый уровень</a:t>
             </a:r>
           </a:p>
           <a:p>
             <a:pPr lvl="4"/>
             <a:r>
-              <a:rPr lang="ru-RU" smtClean="0"/>
+              <a:rPr lang="ru-RU"/>
               <a:t>Пятый уровень</a:t>
             </a:r>
             <a:endParaRPr lang="en-US" dirty="0"/>
@@ -1784,7 +1784,7 @@
           <a:p>
             <a:pPr lvl="0"/>
             <a:r>
-              <a:rPr lang="ru-RU" smtClean="0"/>
+              <a:rPr lang="ru-RU"/>
               <a:t>Образец текста</a:t>
             </a:r>
           </a:p>
@@ -1840,35 +1840,35 @@
           <a:p>
             <a:pPr lvl="0"/>
             <a:r>
-              <a:rPr lang="ru-RU" smtClean="0"/>
+              <a:rPr lang="ru-RU"/>
               <a:t>Образец текста</a:t>
             </a:r>
           </a:p>
           <a:p>
             <a:pPr lvl="1"/>
             <a:r>
-              <a:rPr lang="ru-RU" smtClean="0"/>
+              <a:rPr lang="ru-RU"/>
               <a:t>Второй уровень</a:t>
             </a:r>
           </a:p>
           <a:p>
             <a:pPr lvl="2"/>
             <a:r>
-              <a:rPr lang="ru-RU" smtClean="0"/>
+              <a:rPr lang="ru-RU"/>
               <a:t>Третий уровень</a:t>
             </a:r>
           </a:p>
           <a:p>
             <a:pPr lvl="3"/>
             <a:r>
-              <a:rPr lang="ru-RU" smtClean="0"/>
+              <a:rPr lang="ru-RU"/>
               <a:t>Четвертый уровень</a:t>
             </a:r>
           </a:p>
           <a:p>
             <a:pPr lvl="4"/>
             <a:r>
-              <a:rPr lang="ru-RU" smtClean="0"/>
+              <a:rPr lang="ru-RU"/>
               <a:t>Пятый уровень</a:t>
             </a:r>
             <a:endParaRPr lang="en-US" dirty="0"/>
@@ -1986,7 +1986,7 @@
           <a:lstStyle/>
           <a:p>
             <a:r>
-              <a:rPr lang="ru-RU" smtClean="0"/>
+              <a:rPr lang="ru-RU"/>
               <a:t>Образец заголовка</a:t>
             </a:r>
             <a:endParaRPr lang="en-US" dirty="0"/>
@@ -2213,7 +2213,7 @@
           </a:lstStyle>
           <a:p>
             <a:r>
-              <a:rPr lang="ru-RU" smtClean="0"/>
+              <a:rPr lang="ru-RU"/>
               <a:t>Образец заголовка</a:t>
             </a:r>
             <a:endParaRPr lang="en-US" dirty="0"/>
@@ -2270,35 +2270,35 @@
           <a:p>
             <a:pPr lvl="0"/>
             <a:r>
-              <a:rPr lang="ru-RU" smtClean="0"/>
+              <a:rPr lang="ru-RU"/>
               <a:t>Образец текста</a:t>
             </a:r>
           </a:p>
           <a:p>
             <a:pPr lvl="1"/>
             <a:r>
-              <a:rPr lang="ru-RU" smtClean="0"/>
+              <a:rPr lang="ru-RU"/>
               <a:t>Второй уровень</a:t>
             </a:r>
           </a:p>
           <a:p>
             <a:pPr lvl="2"/>
             <a:r>
-              <a:rPr lang="ru-RU" smtClean="0"/>
+              <a:rPr lang="ru-RU"/>
               <a:t>Третий уровень</a:t>
             </a:r>
           </a:p>
           <a:p>
             <a:pPr lvl="3"/>
             <a:r>
-              <a:rPr lang="ru-RU" smtClean="0"/>
+              <a:rPr lang="ru-RU"/>
               <a:t>Четвертый уровень</a:t>
             </a:r>
           </a:p>
           <a:p>
             <a:pPr lvl="4"/>
             <a:r>
-              <a:rPr lang="ru-RU" smtClean="0"/>
+              <a:rPr lang="ru-RU"/>
               <a:t>Пятый уровень</a:t>
             </a:r>
             <a:endParaRPr lang="en-US" dirty="0"/>
@@ -2372,7 +2372,7 @@
           <a:p>
             <a:pPr lvl="0"/>
             <a:r>
-              <a:rPr lang="ru-RU" smtClean="0"/>
+              <a:rPr lang="ru-RU"/>
               <a:t>Образец текста</a:t>
             </a:r>
           </a:p>
@@ -2503,7 +2503,7 @@
           </a:lstStyle>
           <a:p>
             <a:r>
-              <a:rPr lang="ru-RU" smtClean="0"/>
+              <a:rPr lang="ru-RU"/>
               <a:t>Образец заголовка</a:t>
             </a:r>
             <a:endParaRPr lang="en-US" dirty="0"/>
@@ -2570,7 +2570,7 @@
           </a:lstStyle>
           <a:p>
             <a:r>
-              <a:rPr lang="ru-RU" smtClean="0"/>
+              <a:rPr lang="ru-RU"/>
               <a:t>Вставка рисунка</a:t>
             </a:r>
             <a:endParaRPr lang="en-US" dirty="0"/>
@@ -2644,7 +2644,7 @@
           <a:p>
             <a:pPr lvl="0"/>
             <a:r>
-              <a:rPr lang="ru-RU" smtClean="0"/>
+              <a:rPr lang="ru-RU"/>
               <a:t>Образец текста</a:t>
             </a:r>
           </a:p>
@@ -2819,7 +2819,7 @@
           <a:lstStyle/>
           <a:p>
             <a:r>
-              <a:rPr lang="ru-RU" smtClean="0"/>
+              <a:rPr lang="ru-RU"/>
               <a:t>Образец заголовка</a:t>
             </a:r>
             <a:endParaRPr lang="en-US" dirty="0"/>
@@ -2853,35 +2853,35 @@
           <a:p>
             <a:pPr lvl="0"/>
             <a:r>
-              <a:rPr lang="ru-RU" smtClean="0"/>
+              <a:rPr lang="ru-RU"/>
               <a:t>Образец текста</a:t>
             </a:r>
           </a:p>
           <a:p>
             <a:pPr lvl="1"/>
             <a:r>
-              <a:rPr lang="ru-RU" smtClean="0"/>
+              <a:rPr lang="ru-RU"/>
               <a:t>Второй уровень</a:t>
             </a:r>
           </a:p>
           <a:p>
             <a:pPr lvl="2"/>
             <a:r>
-              <a:rPr lang="ru-RU" smtClean="0"/>
+              <a:rPr lang="ru-RU"/>
               <a:t>Третий уровень</a:t>
             </a:r>
           </a:p>
           <a:p>
             <a:pPr lvl="3"/>
             <a:r>
-              <a:rPr lang="ru-RU" smtClean="0"/>
+              <a:rPr lang="ru-RU"/>
               <a:t>Четвертый уровень</a:t>
             </a:r>
           </a:p>
           <a:p>
             <a:pPr lvl="4"/>
             <a:r>
-              <a:rPr lang="ru-RU" smtClean="0"/>
+              <a:rPr lang="ru-RU"/>
               <a:t>Пятый уровень</a:t>
             </a:r>
             <a:endParaRPr lang="en-US" dirty="0"/>
@@ -3398,8 +3398,8 @@
           <a:lstStyle/>
           <a:p>
             <a:r>
-              <a:rPr lang="ru-RU" dirty="0" smtClean="0"/>
-              <a:t>Игра</a:t>
+              <a:rPr lang="en-US"/>
+              <a:t>Space rangers</a:t>
             </a:r>
             <a:endParaRPr lang="ru-RU" dirty="0"/>
           </a:p>
@@ -3428,11 +3428,11 @@
           <a:lstStyle/>
           <a:p>
             <a:r>
-              <a:rPr lang="ru-RU" dirty="0" smtClean="0"/>
+              <a:rPr lang="ru-RU" dirty="0"/>
               <a:t>Авторы</a:t>
             </a:r>
             <a:r>
-              <a:rPr lang="en-US" dirty="0" smtClean="0"/>
+              <a:rPr lang="en-US" dirty="0"/>
               <a:t>:</a:t>
             </a:r>
             <a:endParaRPr lang="ru-RU" dirty="0"/>
@@ -3440,28 +3440,16 @@
           <a:p>
             <a:r>
               <a:rPr lang="ru-RU" dirty="0"/>
-              <a:t>Зевакин </a:t>
-            </a:r>
-            <a:r>
-              <a:rPr lang="ru-RU" dirty="0" smtClean="0"/>
-              <a:t>Иван, Никольс</a:t>
-            </a:r>
+              <a:t>Зевакин Иван, Никольский Константин</a:t>
+            </a:r>
+          </a:p>
+          <a:p>
             <a:r>
               <a:rPr lang="ru-RU" dirty="0"/>
-              <a:t>кий </a:t>
-            </a:r>
-            <a:r>
-              <a:rPr lang="ru-RU" dirty="0" smtClean="0"/>
-              <a:t>Константин</a:t>
-            </a:r>
-          </a:p>
-          <a:p>
-            <a:r>
-              <a:rPr lang="ru-RU" dirty="0" smtClean="0"/>
               <a:t>Руководитель</a:t>
             </a:r>
             <a:r>
-              <a:rPr lang="en-US" dirty="0" smtClean="0"/>
+              <a:rPr lang="en-US" dirty="0"/>
               <a:t>:</a:t>
             </a:r>
             <a:endParaRPr lang="ru-RU" dirty="0"/>
@@ -3473,13 +3461,8 @@
             </a:r>
             <a:r>
               <a:rPr lang="ru-RU" dirty="0"/>
-              <a:t> </a:t>
-            </a:r>
-            <a:r>
-              <a:rPr lang="ru-RU" dirty="0" smtClean="0"/>
-              <a:t>Д.А</a:t>
-            </a:r>
-            <a:endParaRPr lang="ru-RU" dirty="0"/>
+              <a:t> Д.А</a:t>
+            </a:r>
           </a:p>
         </p:txBody>
       </p:sp>
@@ -3529,14 +3512,9 @@
           <a:lstStyle/>
           <a:p>
             <a:r>
-              <a:rPr lang="ru-RU" dirty="0" smtClean="0"/>
-              <a:t>Как появилась идея и </a:t>
-            </a:r>
-            <a:r>
-              <a:rPr lang="ru-RU" dirty="0" smtClean="0"/>
-              <a:t>цель</a:t>
-            </a:r>
-            <a:endParaRPr lang="ru-RU" dirty="0"/>
+              <a:rPr lang="ru-RU" dirty="0"/>
+              <a:t>Как появилась идея и цель</a:t>
+            </a:r>
           </a:p>
         </p:txBody>
       </p:sp>
@@ -3562,12 +3540,8 @@
           </a:p>
           <a:p>
             <a:r>
-              <a:rPr lang="ru-RU" dirty="0" smtClean="0"/>
-              <a:t>Наша цель состояла в том, чтобы создать </a:t>
-            </a:r>
-            <a:r>
               <a:rPr lang="ru-RU" dirty="0"/>
-              <a:t>игру, с элементами </a:t>
+              <a:t>Наша цель состояла в том, чтобы создать игру, с элементами </a:t>
             </a:r>
             <a:r>
               <a:rPr lang="en-US" dirty="0"/>
@@ -3691,10 +3665,9 @@
           <a:lstStyle/>
           <a:p>
             <a:r>
-              <a:rPr lang="ru-RU" dirty="0" smtClean="0"/>
+              <a:rPr lang="ru-RU" dirty="0"/>
               <a:t>Задачи</a:t>
             </a:r>
-            <a:endParaRPr lang="ru-RU" dirty="0"/>
           </a:p>
         </p:txBody>
       </p:sp>
@@ -3720,12 +3693,8 @@
           <a:p>
             <a:pPr lvl="0"/>
             <a:r>
-              <a:rPr lang="ru-RU" dirty="0" smtClean="0"/>
-              <a:t>Чтение </a:t>
-            </a:r>
-            <a:r>
               <a:rPr lang="ru-RU" dirty="0"/>
-              <a:t>уровней из файла.</a:t>
+              <a:t>Чтение уровней из файла.</a:t>
             </a:r>
           </a:p>
           <a:p>
@@ -3829,10 +3798,9 @@
           <a:lstStyle/>
           <a:p>
             <a:r>
-              <a:rPr lang="ru-RU" dirty="0" smtClean="0"/>
+              <a:rPr lang="ru-RU" dirty="0"/>
               <a:t>Библиотеки и доп. приложение</a:t>
             </a:r>
-            <a:endParaRPr lang="ru-RU" dirty="0"/>
           </a:p>
         </p:txBody>
       </p:sp>
@@ -3880,11 +3848,7 @@
             <a:pPr lvl="0"/>
             <a:r>
               <a:rPr lang="en-US" dirty="0" err="1"/>
-              <a:t>P</a:t>
-            </a:r>
-            <a:r>
-              <a:rPr lang="en-US" dirty="0" err="1" smtClean="0"/>
-              <a:t>ygame</a:t>
+              <a:t>Pygame</a:t>
             </a:r>
             <a:r>
               <a:rPr lang="ru-RU" dirty="0"/>
@@ -3915,15 +3879,7 @@
             </a:r>
             <a:r>
               <a:rPr lang="ru-RU" dirty="0"/>
-              <a:t>– модуль, используемый для </a:t>
-            </a:r>
-            <a:r>
-              <a:rPr lang="ru-RU" dirty="0" smtClean="0"/>
-              <a:t>асинхронной </a:t>
-            </a:r>
-            <a:r>
-              <a:rPr lang="ru-RU" dirty="0"/>
-              <a:t>обработки данных.</a:t>
+              <a:t>– модуль, используемый для асинхронной обработки данных.</a:t>
             </a:r>
           </a:p>
           <a:p>
@@ -4060,10 +4016,9 @@
           <a:p>
             <a:pPr algn="ctr"/>
             <a:r>
-              <a:rPr lang="ru-RU" dirty="0" smtClean="0"/>
+              <a:rPr lang="ru-RU" dirty="0"/>
               <a:t>Что мы планируем сделать?</a:t>
             </a:r>
-            <a:endParaRPr lang="ru-RU" dirty="0"/>
           </a:p>
         </p:txBody>
       </p:sp>
